--- a/PICH__(7).pptx
+++ b/PICH__(7).pptx
@@ -339,16 +339,32 @@
 </p:presentation>
 </file>
 
-<file path=ppt/revisionInfo.xml><?xml version="1.0" encoding="utf-8"?>
-<p1510:revInfo xmlns:a="http://schemas.openxmlformats.org/drawingml/2006/main" xmlns:r="http://schemas.openxmlformats.org/officeDocument/2006/relationships" xmlns:p1510="http://schemas.microsoft.com/office/powerpoint/2015/10/main">
-  <p1510:revLst>
-    <p1510:client id="{06DDAE81-46FE-4602-8D3C-4C2906CC54BA}" v="61" dt="2021-08-12T01:27:58.245"/>
-  </p1510:revLst>
-</p1510:revInfo>
-</file>
-
 <file path=ppt/changesInfos/changesInfo1.xml><?xml version="1.0" encoding="utf-8"?>
 <pc:chgInfo xmlns:a="http://schemas.openxmlformats.org/drawingml/2006/main" xmlns:r="http://schemas.openxmlformats.org/officeDocument/2006/relationships" xmlns:ac="http://schemas.microsoft.com/office/drawing/2013/main/command" xmlns:pc="http://schemas.microsoft.com/office/powerpoint/2013/main/command">
+  <pc:docChgLst>
+    <pc:chgData name="Albornoz pulgarin" userId="59e8a4e8da25f300" providerId="LiveId" clId="{7709BAE6-3C2D-47D6-B545-1B4447ED7590}"/>
+    <pc:docChg chg="modSld">
+      <pc:chgData name="Albornoz pulgarin" userId="59e8a4e8da25f300" providerId="LiveId" clId="{7709BAE6-3C2D-47D6-B545-1B4447ED7590}" dt="2022-07-20T18:52:44.783" v="0" actId="1076"/>
+      <pc:docMkLst>
+        <pc:docMk/>
+      </pc:docMkLst>
+      <pc:sldChg chg="modSp mod">
+        <pc:chgData name="Albornoz pulgarin" userId="59e8a4e8da25f300" providerId="LiveId" clId="{7709BAE6-3C2D-47D6-B545-1B4447ED7590}" dt="2022-07-20T18:52:44.783" v="0" actId="1076"/>
+        <pc:sldMkLst>
+          <pc:docMk/>
+          <pc:sldMk cId="278189150" sldId="258"/>
+        </pc:sldMkLst>
+        <pc:spChg chg="mod">
+          <ac:chgData name="Albornoz pulgarin" userId="59e8a4e8da25f300" providerId="LiveId" clId="{7709BAE6-3C2D-47D6-B545-1B4447ED7590}" dt="2022-07-20T18:52:44.783" v="0" actId="1076"/>
+          <ac:spMkLst>
+            <pc:docMk/>
+            <pc:sldMk cId="278189150" sldId="258"/>
+            <ac:spMk id="4" creationId="{00000000-0000-0000-0000-000000000000}"/>
+          </ac:spMkLst>
+        </pc:spChg>
+      </pc:sldChg>
+    </pc:docChg>
+  </pc:docChgLst>
   <pc:docChgLst>
     <pc:chgData name="laurahenao@yahoo.com" userId="0cb125032836c7ad" providerId="LiveId" clId="{06DDAE81-46FE-4602-8D3C-4C2906CC54BA}"/>
     <pc:docChg chg="undo custSel addSld delSld modSld">
@@ -7522,7 +7538,7 @@
           <a:p>
             <a:fld id="{1D8BD707-D9CF-40AE-B4C6-C98DA3205C09}" type="datetimeFigureOut">
               <a:rPr lang="en-US"/>
-              <a:t>7/18/2022</a:t>
+              <a:t>7/20/2022</a:t>
             </a:fld>
             <a:endParaRPr lang="en-US"/>
           </a:p>
@@ -7686,7 +7702,7 @@
           </a:ln>
           <a:extLst>
             <a:ext uri="{C572A759-6A51-4108-AA02-DFA0A04FC94B}">
-              <ma14:wrappingTextBoxFlag xmlns="" xmlns:ma14="http://schemas.microsoft.com/office/mac/drawingml/2011/main" val="1"/>
+              <ma14:wrappingTextBoxFlag xmlns:ma14="http://schemas.microsoft.com/office/mac/drawingml/2011/main" xmlns="" val="1"/>
             </a:ext>
           </a:extLst>
         </p:spPr>
@@ -7749,7 +7765,7 @@
           </a:ln>
           <a:extLst>
             <a:ext uri="{C572A759-6A51-4108-AA02-DFA0A04FC94B}">
-              <ma14:wrappingTextBoxFlag xmlns="" xmlns:ma14="http://schemas.microsoft.com/office/mac/drawingml/2011/main" val="1"/>
+              <ma14:wrappingTextBoxFlag xmlns:ma14="http://schemas.microsoft.com/office/mac/drawingml/2011/main" xmlns="" val="1"/>
             </a:ext>
           </a:extLst>
         </p:spPr>
@@ -8769,7 +8785,7 @@
           <a:p>
             <a:fld id="{B3030C24-9424-B24A-8613-79990C3AA492}" type="datetimeFigureOut">
               <a:rPr lang="es-ES" smtClean="0"/>
-              <a:t>18/07/2022</a:t>
+              <a:t>20/07/2022</a:t>
             </a:fld>
             <a:endParaRPr lang="es-ES"/>
           </a:p>
@@ -9276,7 +9292,7 @@
           <a:p>
             <a:fld id="{B3030C24-9424-B24A-8613-79990C3AA492}" type="datetimeFigureOut">
               <a:rPr lang="es-ES" smtClean="0"/>
-              <a:t>18/07/2022</a:t>
+              <a:t>20/07/2022</a:t>
             </a:fld>
             <a:endParaRPr lang="es-ES"/>
           </a:p>
@@ -9671,7 +9687,7 @@
           </a:ln>
           <a:extLst>
             <a:ext uri="{C572A759-6A51-4108-AA02-DFA0A04FC94B}">
-              <ma14:wrappingTextBoxFlag xmlns="" xmlns:ma14="http://schemas.microsoft.com/office/mac/drawingml/2011/main" val="1"/>
+              <ma14:wrappingTextBoxFlag xmlns:ma14="http://schemas.microsoft.com/office/mac/drawingml/2011/main" xmlns="" val="1"/>
             </a:ext>
           </a:extLst>
         </p:spPr>
@@ -10580,7 +10596,7 @@
         </p:nvSpPr>
         <p:spPr>
           <a:xfrm>
-            <a:off x="723899" y="3171077"/>
+            <a:off x="406878" y="2999373"/>
             <a:ext cx="23012401" cy="5016758"/>
           </a:xfrm>
           <a:prstGeom prst="rect">
